--- a/clases/Cap02_Geometria/presentaciones/CV02_Reconstruction3D.pptx
+++ b/clases/Cap02_Geometria/presentaciones/CV02_Reconstruction3D.pptx
@@ -10397,8 +10397,8 @@
         </p:nvSpPr>
         <p:spPr>
           <a:xfrm>
-            <a:off x="1" y="3031066"/>
-            <a:ext cx="9144000" cy="646331"/>
+            <a:off x="-77713" y="2967335"/>
+            <a:ext cx="9144000" cy="461665"/>
           </a:xfrm>
           <a:prstGeom prst="rect">
             <a:avLst/>
@@ -10421,21 +10421,6 @@
                 <a:cs typeface="Trebuchet MS"/>
               </a:rPr>
               <a:t>3D Reconstruction</a:t>
-            </a:r>
-          </a:p>
-          <a:p>
-            <a:pPr algn="ctr"/>
-            <a:r>
-              <a:rPr lang="en-US" sz="1200" b="1" dirty="0">
-                <a:solidFill>
-                  <a:schemeClr val="bg2">
-                    <a:lumMod val="75000"/>
-                  </a:schemeClr>
-                </a:solidFill>
-                <a:latin typeface="Trebuchet MS"/>
-                <a:cs typeface="Trebuchet MS"/>
-              </a:rPr>
-              <a:t>[ PART IV ]</a:t>
             </a:r>
           </a:p>
         </p:txBody>

--- a/clases/Cap02_Geometria/presentaciones/CV02_Reconstruction3D.pptx
+++ b/clases/Cap02_Geometria/presentaciones/CV02_Reconstruction3D.pptx
@@ -10707,8 +10707,8 @@
         </p:nvSpPr>
         <p:spPr bwMode="auto">
           <a:xfrm>
-            <a:off x="2726783" y="1536174"/>
-            <a:ext cx="3690433" cy="3785652"/>
+            <a:off x="2679494" y="1536174"/>
+            <a:ext cx="3785011" cy="3785652"/>
           </a:xfrm>
           <a:prstGeom prst="rect">
             <a:avLst/>
@@ -11096,7 +11096,7 @@
                 </a:solidFill>
                 <a:latin typeface="Trebuchet MS" pitchFamily="34" charset="0"/>
               </a:rPr>
-              <a:t>Departmento de Ciencia de la Computación</a:t>
+              <a:t>Departamento de Ciencia de la Computación</a:t>
             </a:r>
           </a:p>
           <a:p>
